--- a/ppt/chapter 11.pptx
+++ b/ppt/chapter 11.pptx
@@ -25737,10 +25737,17 @@
                 </a:solidFill>
                 <a:ea typeface="宋体" panose="02010600030101010101" pitchFamily="2" charset="-122"/>
               </a:rPr>
-              <a:t>	A( );</a:t>
-            </a:r>
-          </a:p>
-          <a:p>
+              <a:t>	</a:t>
+            </a:r>
+            <a:r>
+              <a:rPr lang="en-US" altLang="zh-CN" sz="1800" dirty="0" smtClean="0">
+                <a:solidFill>
+                  <a:srgbClr val="0000FF"/>
+                </a:solidFill>
+                <a:ea typeface="宋体" panose="02010600030101010101" pitchFamily="2" charset="-122"/>
+              </a:rPr>
+              <a:t>	A</a:t>
+            </a:r>
             <a:r>
               <a:rPr lang="en-US" altLang="zh-CN" sz="1800" dirty="0">
                 <a:solidFill>
@@ -25748,28 +25755,176 @@
                 </a:solidFill>
                 <a:ea typeface="宋体" panose="02010600030101010101" pitchFamily="2" charset="-122"/>
               </a:rPr>
+              <a:t>( );</a:t>
+            </a:r>
+          </a:p>
+          <a:p>
+            <a:r>
+              <a:rPr lang="en-US" altLang="zh-CN" sz="1800" dirty="0">
+                <a:solidFill>
+                  <a:srgbClr val="0000FF"/>
+                </a:solidFill>
+                <a:ea typeface="宋体" panose="02010600030101010101" pitchFamily="2" charset="-122"/>
+              </a:rPr>
+              <a:t>	</a:t>
+            </a:r>
+            <a:r>
+              <a:rPr lang="en-US" altLang="zh-CN" sz="1800" dirty="0" smtClean="0">
+                <a:solidFill>
+                  <a:srgbClr val="0000FF"/>
+                </a:solidFill>
+                <a:ea typeface="宋体" panose="02010600030101010101" pitchFamily="2" charset="-122"/>
+              </a:rPr>
               <a:t>	A(</a:t>
             </a:r>
             <a:r>
+              <a:rPr lang="en-US" altLang="zh-CN" sz="1800" dirty="0" err="1" smtClean="0">
+                <a:solidFill>
+                  <a:srgbClr val="0000FF"/>
+                </a:solidFill>
+                <a:ea typeface="宋体" panose="02010600030101010101" pitchFamily="2" charset="-122"/>
+              </a:rPr>
+              <a:t>int</a:t>
+            </a:r>
+            <a:r>
+              <a:rPr lang="en-US" altLang="zh-CN" sz="1800" dirty="0" smtClean="0">
+                <a:solidFill>
+                  <a:srgbClr val="0000FF"/>
+                </a:solidFill>
+                <a:ea typeface="宋体" panose="02010600030101010101" pitchFamily="2" charset="-122"/>
+              </a:rPr>
+              <a:t> </a:t>
+            </a:r>
+            <a:r>
+              <a:rPr lang="en-US" altLang="zh-CN" sz="1800" dirty="0">
+                <a:solidFill>
+                  <a:srgbClr val="0000FF"/>
+                </a:solidFill>
+                <a:ea typeface="宋体" panose="02010600030101010101" pitchFamily="2" charset="-122"/>
+              </a:rPr>
+              <a:t>x);</a:t>
+            </a:r>
+          </a:p>
+          <a:p>
+            <a:r>
+              <a:rPr lang="en-US" altLang="zh-CN" sz="1800" dirty="0">
+                <a:solidFill>
+                  <a:srgbClr val="0000FF"/>
+                </a:solidFill>
+                <a:ea typeface="宋体" panose="02010600030101010101" pitchFamily="2" charset="-122"/>
+              </a:rPr>
+              <a:t>	</a:t>
+            </a:r>
+            <a:r>
+              <a:rPr lang="en-US" altLang="zh-CN" sz="1800" dirty="0" smtClean="0">
+                <a:solidFill>
+                  <a:srgbClr val="0000FF"/>
+                </a:solidFill>
+                <a:ea typeface="宋体" panose="02010600030101010101" pitchFamily="2" charset="-122"/>
+              </a:rPr>
+              <a:t>	</a:t>
+            </a:r>
+            <a:r>
+              <a:rPr lang="en-US" altLang="zh-CN" sz="1800" dirty="0" err="1" smtClean="0">
+                <a:solidFill>
+                  <a:srgbClr val="0000FF"/>
+                </a:solidFill>
+                <a:ea typeface="宋体" panose="02010600030101010101" pitchFamily="2" charset="-122"/>
+              </a:rPr>
+              <a:t>int</a:t>
+            </a:r>
+            <a:r>
+              <a:rPr lang="en-US" altLang="zh-CN" sz="1800" dirty="0" smtClean="0">
+                <a:solidFill>
+                  <a:srgbClr val="0000FF"/>
+                </a:solidFill>
+                <a:ea typeface="宋体" panose="02010600030101010101" pitchFamily="2" charset="-122"/>
+              </a:rPr>
+              <a:t> </a:t>
+            </a:r>
+            <a:r>
+              <a:rPr lang="en-US" altLang="zh-CN" sz="1800" dirty="0">
+                <a:solidFill>
+                  <a:srgbClr val="0000FF"/>
+                </a:solidFill>
+                <a:ea typeface="宋体" panose="02010600030101010101" pitchFamily="2" charset="-122"/>
+              </a:rPr>
+              <a:t>f( )</a:t>
+            </a:r>
+            <a:r>
               <a:rPr lang="en-US" altLang="zh-CN" sz="1800" dirty="0" err="1">
                 <a:solidFill>
                   <a:srgbClr val="0000FF"/>
                 </a:solidFill>
                 <a:ea typeface="宋体" panose="02010600030101010101" pitchFamily="2" charset="-122"/>
               </a:rPr>
+              <a:t>const</a:t>
+            </a:r>
+            <a:r>
+              <a:rPr lang="en-US" altLang="zh-CN" sz="1800" dirty="0">
+                <a:solidFill>
+                  <a:srgbClr val="0000FF"/>
+                </a:solidFill>
+                <a:ea typeface="宋体" panose="02010600030101010101" pitchFamily="2" charset="-122"/>
+              </a:rPr>
+              <a:t>;</a:t>
+            </a:r>
+          </a:p>
+          <a:p>
+            <a:r>
+              <a:rPr lang="en-US" altLang="zh-CN" sz="1800" dirty="0">
+                <a:solidFill>
+                  <a:srgbClr val="0000FF"/>
+                </a:solidFill>
+                <a:ea typeface="宋体" panose="02010600030101010101" pitchFamily="2" charset="-122"/>
+              </a:rPr>
+              <a:t>	</a:t>
+            </a:r>
+            <a:r>
+              <a:rPr lang="en-US" altLang="zh-CN" sz="1800" dirty="0" smtClean="0">
+                <a:solidFill>
+                  <a:srgbClr val="0000FF"/>
+                </a:solidFill>
+                <a:ea typeface="宋体" panose="02010600030101010101" pitchFamily="2" charset="-122"/>
+              </a:rPr>
+              <a:t>	</a:t>
+            </a:r>
+            <a:r>
+              <a:rPr lang="en-US" altLang="zh-CN" sz="1800" dirty="0" err="1" smtClean="0">
+                <a:solidFill>
+                  <a:srgbClr val="0000FF"/>
+                </a:solidFill>
+                <a:ea typeface="宋体" panose="02010600030101010101" pitchFamily="2" charset="-122"/>
+              </a:rPr>
               <a:t>int</a:t>
             </a:r>
             <a:r>
+              <a:rPr lang="en-US" altLang="zh-CN" sz="1800" dirty="0" smtClean="0">
+                <a:solidFill>
+                  <a:srgbClr val="0000FF"/>
+                </a:solidFill>
+                <a:ea typeface="宋体" panose="02010600030101010101" pitchFamily="2" charset="-122"/>
+              </a:rPr>
+              <a:t> </a:t>
+            </a:r>
+            <a:r>
               <a:rPr lang="en-US" altLang="zh-CN" sz="1800" dirty="0">
                 <a:solidFill>
                   <a:srgbClr val="0000FF"/>
                 </a:solidFill>
                 <a:ea typeface="宋体" panose="02010600030101010101" pitchFamily="2" charset="-122"/>
               </a:rPr>
-              <a:t> x);</a:t>
-            </a:r>
-          </a:p>
-          <a:p>
+              <a:t>g(</a:t>
+            </a:r>
+            <a:r>
+              <a:rPr lang="en-US" altLang="zh-CN" sz="1800" dirty="0" err="1">
+                <a:solidFill>
+                  <a:srgbClr val="0000FF"/>
+                </a:solidFill>
+                <a:ea typeface="宋体" panose="02010600030101010101" pitchFamily="2" charset="-122"/>
+              </a:rPr>
+              <a:t>const</a:t>
+            </a:r>
             <a:r>
               <a:rPr lang="en-US" altLang="zh-CN" sz="1800" dirty="0">
                 <a:solidFill>
@@ -25777,10 +25932,41 @@
                 </a:solidFill>
                 <a:ea typeface="宋体" panose="02010600030101010101" pitchFamily="2" charset="-122"/>
               </a:rPr>
+              <a:t> A&amp; x);</a:t>
+            </a:r>
+          </a:p>
+          <a:p>
+            <a:r>
+              <a:rPr lang="en-US" altLang="zh-CN" sz="1800" dirty="0">
+                <a:solidFill>
+                  <a:srgbClr val="0000FF"/>
+                </a:solidFill>
+                <a:ea typeface="宋体" panose="02010600030101010101" pitchFamily="2" charset="-122"/>
+              </a:rPr>
+              <a:t>	private:</a:t>
+            </a:r>
+          </a:p>
+          <a:p>
+            <a:r>
+              <a:rPr lang="en-US" altLang="zh-CN" sz="1800" dirty="0">
+                <a:solidFill>
+                  <a:srgbClr val="0000FF"/>
+                </a:solidFill>
+                <a:ea typeface="宋体" panose="02010600030101010101" pitchFamily="2" charset="-122"/>
+              </a:rPr>
               <a:t>	</a:t>
             </a:r>
             <a:r>
-              <a:rPr lang="en-US" altLang="zh-CN" sz="1800" dirty="0" err="1">
+              <a:rPr lang="en-US" altLang="zh-CN" sz="1800" dirty="0" smtClean="0">
+                <a:solidFill>
+                  <a:srgbClr val="0000FF"/>
+                </a:solidFill>
+                <a:ea typeface="宋体" panose="02010600030101010101" pitchFamily="2" charset="-122"/>
+              </a:rPr>
+              <a:t>	</a:t>
+            </a:r>
+            <a:r>
+              <a:rPr lang="en-US" altLang="zh-CN" sz="1800" dirty="0" err="1" smtClean="0">
                 <a:solidFill>
                   <a:srgbClr val="0000FF"/>
                 </a:solidFill>
@@ -25789,112 +25975,7 @@
               <a:t>int</a:t>
             </a:r>
             <a:r>
-              <a:rPr lang="en-US" altLang="zh-CN" sz="1800" dirty="0">
-                <a:solidFill>
-                  <a:srgbClr val="0000FF"/>
-                </a:solidFill>
-                <a:ea typeface="宋体" panose="02010600030101010101" pitchFamily="2" charset="-122"/>
-              </a:rPr>
-              <a:t> f( )</a:t>
-            </a:r>
-            <a:r>
-              <a:rPr lang="en-US" altLang="zh-CN" sz="1800" dirty="0" err="1">
-                <a:solidFill>
-                  <a:srgbClr val="0000FF"/>
-                </a:solidFill>
-                <a:ea typeface="宋体" panose="02010600030101010101" pitchFamily="2" charset="-122"/>
-              </a:rPr>
-              <a:t>const</a:t>
-            </a:r>
-            <a:r>
-              <a:rPr lang="en-US" altLang="zh-CN" sz="1800" dirty="0">
-                <a:solidFill>
-                  <a:srgbClr val="0000FF"/>
-                </a:solidFill>
-                <a:ea typeface="宋体" panose="02010600030101010101" pitchFamily="2" charset="-122"/>
-              </a:rPr>
-              <a:t>;</a:t>
-            </a:r>
-          </a:p>
-          <a:p>
-            <a:r>
-              <a:rPr lang="en-US" altLang="zh-CN" sz="1800" dirty="0">
-                <a:solidFill>
-                  <a:srgbClr val="0000FF"/>
-                </a:solidFill>
-                <a:ea typeface="宋体" panose="02010600030101010101" pitchFamily="2" charset="-122"/>
-              </a:rPr>
-              <a:t>	</a:t>
-            </a:r>
-            <a:r>
-              <a:rPr lang="en-US" altLang="zh-CN" sz="1800" dirty="0" err="1">
-                <a:solidFill>
-                  <a:srgbClr val="0000FF"/>
-                </a:solidFill>
-                <a:ea typeface="宋体" panose="02010600030101010101" pitchFamily="2" charset="-122"/>
-              </a:rPr>
-              <a:t>int</a:t>
-            </a:r>
-            <a:r>
-              <a:rPr lang="en-US" altLang="zh-CN" sz="1800" dirty="0">
-                <a:solidFill>
-                  <a:srgbClr val="0000FF"/>
-                </a:solidFill>
-                <a:ea typeface="宋体" panose="02010600030101010101" pitchFamily="2" charset="-122"/>
-              </a:rPr>
-              <a:t> g(</a:t>
-            </a:r>
-            <a:r>
-              <a:rPr lang="en-US" altLang="zh-CN" sz="1800" dirty="0" err="1">
-                <a:solidFill>
-                  <a:srgbClr val="0000FF"/>
-                </a:solidFill>
-                <a:ea typeface="宋体" panose="02010600030101010101" pitchFamily="2" charset="-122"/>
-              </a:rPr>
-              <a:t>const</a:t>
-            </a:r>
-            <a:r>
-              <a:rPr lang="en-US" altLang="zh-CN" sz="1800" dirty="0">
-                <a:solidFill>
-                  <a:srgbClr val="0000FF"/>
-                </a:solidFill>
-                <a:ea typeface="宋体" panose="02010600030101010101" pitchFamily="2" charset="-122"/>
-              </a:rPr>
-              <a:t> A&amp; x);</a:t>
-            </a:r>
-          </a:p>
-          <a:p>
-            <a:r>
-              <a:rPr lang="en-US" altLang="zh-CN" sz="1800" dirty="0">
-                <a:solidFill>
-                  <a:srgbClr val="0000FF"/>
-                </a:solidFill>
-                <a:ea typeface="宋体" panose="02010600030101010101" pitchFamily="2" charset="-122"/>
-              </a:rPr>
-              <a:t>	private:</a:t>
-            </a:r>
-          </a:p>
-          <a:p>
-            <a:r>
-              <a:rPr lang="en-US" altLang="zh-CN" sz="1800" dirty="0">
-                <a:solidFill>
-                  <a:srgbClr val="0000FF"/>
-                </a:solidFill>
-                <a:ea typeface="宋体" panose="02010600030101010101" pitchFamily="2" charset="-122"/>
-              </a:rPr>
-              <a:t>	</a:t>
-            </a:r>
-            <a:r>
-              <a:rPr lang="en-US" altLang="zh-CN" sz="1800" dirty="0" err="1">
-                <a:solidFill>
-                  <a:srgbClr val="0000FF"/>
-                </a:solidFill>
-                <a:ea typeface="宋体" panose="02010600030101010101" pitchFamily="2" charset="-122"/>
-              </a:rPr>
-              <a:t>int</a:t>
-            </a:r>
-            <a:r>
-              <a:rPr lang="en-US" altLang="zh-CN" sz="1800" dirty="0">
+              <a:rPr lang="en-US" altLang="zh-CN" sz="1800" dirty="0" smtClean="0">
                 <a:solidFill>
                   <a:srgbClr val="0000FF"/>
                 </a:solidFill>

--- a/ppt/chapter 11.pptx
+++ b/ppt/chapter 11.pptx
@@ -36921,7 +36921,15 @@
           <a:p>
             <a:r>
               <a:rPr lang="en-US" altLang="zh-CN" dirty="0" smtClean="0"/>
-              <a:t>Project 3</a:t>
+              <a:t>test</a:t>
+            </a:r>
+            <a:r>
+              <a:rPr lang="en-US" altLang="zh-CN" dirty="0" smtClean="0"/>
+              <a:t> </a:t>
+            </a:r>
+            <a:r>
+              <a:rPr lang="en-US" altLang="zh-CN" dirty="0"/>
+              <a:t>4</a:t>
             </a:r>
             <a:endParaRPr lang="zh-CN" altLang="en-US" dirty="0"/>
           </a:p>

--- a/ppt/chapter 11.pptx
+++ b/ppt/chapter 11.pptx
@@ -26559,8 +26559,8 @@
               <a:t>Project </a:t>
             </a:r>
             <a:r>
-              <a:rPr lang="en-US" altLang="zh-CN" dirty="0" smtClean="0"/>
-              <a:t>4</a:t>
+              <a:rPr lang="en-US" altLang="zh-CN" dirty="0"/>
+              <a:t>3</a:t>
             </a:r>
             <a:endParaRPr lang="zh-CN" altLang="en-US" dirty="0"/>
           </a:p>

--- a/ppt/chapter 11.pptx
+++ b/ppt/chapter 11.pptx
@@ -26121,12 +26121,21 @@
               <a:t>The </a:t>
             </a:r>
             <a:r>
-              <a:rPr lang="en-US" altLang="zh-CN" dirty="0" err="1"/>
+              <a:rPr lang="en-US" altLang="zh-CN" dirty="0" err="1">
+                <a:solidFill>
+                  <a:srgbClr val="0000FF"/>
+                </a:solidFill>
+                <a:ea typeface="宋体" panose="02010600030101010101" pitchFamily="2" charset="-122"/>
+              </a:rPr>
               <a:t>DayOfYear</a:t>
             </a:r>
             <a:r>
+              <a:rPr lang="en-US" altLang="zh-CN" sz="4000" dirty="0"/>
+              <a:t> </a:t>
+            </a:r>
+            <a:r>
               <a:rPr lang="en-US" altLang="zh-CN" dirty="0"/>
-              <a:t> class from Chapter </a:t>
+              <a:t>class from Chapter </a:t>
             </a:r>
             <a:r>
               <a:rPr lang="en-US" altLang="zh-CN" dirty="0" smtClean="0"/>
@@ -26556,11 +26565,7 @@
           <a:p>
             <a:r>
               <a:rPr lang="en-US" altLang="zh-CN" dirty="0"/>
-              <a:t>Project </a:t>
-            </a:r>
-            <a:r>
-              <a:rPr lang="en-US" altLang="zh-CN" dirty="0"/>
-              <a:t>3</a:t>
+              <a:t>Project 3</a:t>
             </a:r>
             <a:endParaRPr lang="zh-CN" altLang="en-US" dirty="0"/>
           </a:p>
